--- a/論文/problem_statement.pptx
+++ b/論文/problem_statement.pptx
@@ -350,7 +350,7 @@
           <a:p>
             <a:fld id="{0D472CE2-A907-44E3-9FF7-3ABDEDB1821F}" type="datetimeFigureOut">
               <a:rPr lang="zh-TW" altLang="en-US" smtClean="0"/>
-              <a:t>2021/5/20</a:t>
+              <a:t>2021/5/27</a:t>
             </a:fld>
             <a:endParaRPr lang="zh-TW" altLang="en-US"/>
           </a:p>
@@ -530,7 +530,7 @@
           <a:p>
             <a:fld id="{0D472CE2-A907-44E3-9FF7-3ABDEDB1821F}" type="datetimeFigureOut">
               <a:rPr lang="zh-TW" altLang="en-US" smtClean="0"/>
-              <a:t>2021/5/20</a:t>
+              <a:t>2021/5/27</a:t>
             </a:fld>
             <a:endParaRPr lang="zh-TW" altLang="en-US"/>
           </a:p>
@@ -720,7 +720,7 @@
           <a:p>
             <a:fld id="{0D472CE2-A907-44E3-9FF7-3ABDEDB1821F}" type="datetimeFigureOut">
               <a:rPr lang="zh-TW" altLang="en-US" smtClean="0"/>
-              <a:t>2021/5/20</a:t>
+              <a:t>2021/5/27</a:t>
             </a:fld>
             <a:endParaRPr lang="zh-TW" altLang="en-US"/>
           </a:p>
@@ -946,7 +946,7 @@
           <a:p>
             <a:fld id="{0D472CE2-A907-44E3-9FF7-3ABDEDB1821F}" type="datetimeFigureOut">
               <a:rPr lang="zh-TW" altLang="en-US" smtClean="0"/>
-              <a:t>2021/5/20</a:t>
+              <a:t>2021/5/27</a:t>
             </a:fld>
             <a:endParaRPr lang="zh-TW" altLang="en-US"/>
           </a:p>
@@ -1202,7 +1202,7 @@
           <a:p>
             <a:fld id="{0D472CE2-A907-44E3-9FF7-3ABDEDB1821F}" type="datetimeFigureOut">
               <a:rPr lang="zh-TW" altLang="en-US" smtClean="0"/>
-              <a:t>2021/5/20</a:t>
+              <a:t>2021/5/27</a:t>
             </a:fld>
             <a:endParaRPr lang="zh-TW" altLang="en-US"/>
           </a:p>
@@ -1499,7 +1499,7 @@
           <a:p>
             <a:fld id="{0D472CE2-A907-44E3-9FF7-3ABDEDB1821F}" type="datetimeFigureOut">
               <a:rPr lang="zh-TW" altLang="en-US" smtClean="0"/>
-              <a:t>2021/5/20</a:t>
+              <a:t>2021/5/27</a:t>
             </a:fld>
             <a:endParaRPr lang="zh-TW" altLang="en-US"/>
           </a:p>
@@ -1930,7 +1930,7 @@
           <a:p>
             <a:fld id="{0D472CE2-A907-44E3-9FF7-3ABDEDB1821F}" type="datetimeFigureOut">
               <a:rPr lang="zh-TW" altLang="en-US" smtClean="0"/>
-              <a:t>2021/5/20</a:t>
+              <a:t>2021/5/27</a:t>
             </a:fld>
             <a:endParaRPr lang="zh-TW" altLang="en-US"/>
           </a:p>
@@ -2059,7 +2059,7 @@
           <a:p>
             <a:fld id="{0D472CE2-A907-44E3-9FF7-3ABDEDB1821F}" type="datetimeFigureOut">
               <a:rPr lang="zh-TW" altLang="en-US" smtClean="0"/>
-              <a:t>2021/5/20</a:t>
+              <a:t>2021/5/27</a:t>
             </a:fld>
             <a:endParaRPr lang="zh-TW" altLang="en-US"/>
           </a:p>
@@ -2166,7 +2166,7 @@
           <a:p>
             <a:fld id="{0D472CE2-A907-44E3-9FF7-3ABDEDB1821F}" type="datetimeFigureOut">
               <a:rPr lang="zh-TW" altLang="en-US" smtClean="0"/>
-              <a:t>2021/5/20</a:t>
+              <a:t>2021/5/27</a:t>
             </a:fld>
             <a:endParaRPr lang="zh-TW" altLang="en-US"/>
           </a:p>
@@ -2454,7 +2454,7 @@
           <a:p>
             <a:fld id="{0D472CE2-A907-44E3-9FF7-3ABDEDB1821F}" type="datetimeFigureOut">
               <a:rPr lang="zh-TW" altLang="en-US" smtClean="0"/>
-              <a:t>2021/5/20</a:t>
+              <a:t>2021/5/27</a:t>
             </a:fld>
             <a:endParaRPr lang="zh-TW" altLang="en-US"/>
           </a:p>
@@ -2724,7 +2724,7 @@
           <a:p>
             <a:fld id="{0D472CE2-A907-44E3-9FF7-3ABDEDB1821F}" type="datetimeFigureOut">
               <a:rPr lang="zh-TW" altLang="en-US" smtClean="0"/>
-              <a:t>2021/5/20</a:t>
+              <a:t>2021/5/27</a:t>
             </a:fld>
             <a:endParaRPr lang="zh-TW" altLang="en-US"/>
           </a:p>
@@ -2993,7 +2993,7 @@
           <a:p>
             <a:fld id="{0D472CE2-A907-44E3-9FF7-3ABDEDB1821F}" type="datetimeFigureOut">
               <a:rPr lang="zh-TW" altLang="en-US" smtClean="0"/>
-              <a:t>2021/5/20</a:t>
+              <a:t>2021/5/27</a:t>
             </a:fld>
             <a:endParaRPr lang="zh-TW" altLang="en-US"/>
           </a:p>
@@ -6728,14 +6728,14 @@
           <p:nvPr>
             <p:extLst>
               <p:ext uri="{D42A27DB-BD31-4B8C-83A1-F6EECF244321}">
-                <p14:modId xmlns:p14="http://schemas.microsoft.com/office/powerpoint/2010/main" val="2590674503"/>
+                <p14:modId xmlns:p14="http://schemas.microsoft.com/office/powerpoint/2010/main" val="2730590010"/>
               </p:ext>
             </p:extLst>
           </p:nvPr>
         </p:nvGraphicFramePr>
         <p:xfrm>
           <a:off x="5488798" y="1245870"/>
-          <a:ext cx="5986922" cy="5690553"/>
+          <a:ext cx="5986922" cy="5635624"/>
         </p:xfrm>
         <a:graphic>
           <a:graphicData uri="http://schemas.openxmlformats.org/drawingml/2006/table">
@@ -7165,40 +7165,7 @@
                         <a:buAutoNum type="arabicPeriod"/>
                       </a:pPr>
                       <a:r>
-                        <a:rPr lang="en-US" sz="1200" kern="100" dirty="0">
-                          <a:effectLst/>
-                        </a:rPr>
-                        <a:t> </a:t>
-                      </a:r>
-                      <a:r>
-                        <a:rPr lang="en-US" sz="1200" kern="100" dirty="0" err="1">
-                          <a:effectLst/>
-                        </a:rPr>
-                        <a:t>lists_should_be_equal</a:t>
-                      </a:r>
-                      <a:endParaRPr lang="zh-TW" sz="1200" kern="100" dirty="0">
-                        <a:effectLst/>
-                      </a:endParaRPr>
-                    </a:p>
-                    <a:p>
-                      <a:pPr marL="342900" lvl="0" indent="-342900" algn="just">
-                        <a:lnSpc>
-                          <a:spcPct val="150000"/>
-                        </a:lnSpc>
-                        <a:spcAft>
-                          <a:spcPts val="0"/>
-                        </a:spcAft>
-                        <a:buFont typeface="+mj-lt"/>
-                        <a:buAutoNum type="arabicPeriod"/>
-                      </a:pPr>
-                      <a:r>
-                        <a:rPr lang="en-US" sz="1200" kern="100" dirty="0">
-                          <a:effectLst/>
-                        </a:rPr>
-                        <a:t> </a:t>
-                      </a:r>
-                      <a:r>
-                        <a:rPr lang="en-US" sz="1200" kern="100" dirty="0" err="1">
+                        <a:rPr lang="en-US" sz="1200" kern="100" dirty="0" err="1" smtClean="0">
                           <a:effectLst/>
                         </a:rPr>
                         <a:t>remove_from_dictionary</a:t>
@@ -7331,7 +7298,7 @@
                         <a:t>input_text_into_prompt</a:t>
                       </a:r>
                       <a:r>
-                        <a:rPr lang="en-US" sz="1200" b="1" kern="100" smtClean="0">
+                        <a:rPr lang="en-US" sz="1200" b="1" kern="100" dirty="0" smtClean="0">
                           <a:effectLst/>
                         </a:rPr>
                         <a:t> (x)</a:t>
@@ -7514,7 +7481,13 @@
                         <a:rPr lang="en-US" sz="1200" b="1" kern="100" dirty="0">
                           <a:effectLst/>
                         </a:rPr>
-                        <a:t> tab1le_cell_should_contain</a:t>
+                        <a:t> </a:t>
+                      </a:r>
+                      <a:r>
+                        <a:rPr lang="en-US" sz="1200" b="1" kern="100" dirty="0" err="1" smtClean="0">
+                          <a:effectLst/>
+                        </a:rPr>
+                        <a:t>table_cell_should_contain</a:t>
                       </a:r>
                       <a:endParaRPr lang="zh-TW" sz="1200" b="1" kern="100" dirty="0">
                         <a:effectLst/>
